--- a/Dissertation/Presentation.pptx
+++ b/Dissertation/Presentation.pptx
@@ -3833,7 +3833,42 @@
                 <a:latin typeface="XB Niloofar" pitchFamily="2" charset="-78"/>
                 <a:cs typeface="XB Niloofar" pitchFamily="2" charset="-78"/>
               </a:rPr>
-              <a:t>ساختار کلی سامانه‌های تشخیص چهره</a:t>
+              <a:t>ساختار کلی سامانه‌های </a:t>
+            </a:r>
+            <a:r>
+              <a:rPr lang="fa-IR" dirty="0" smtClean="0">
+                <a:latin typeface="XB Niloofar" pitchFamily="2" charset="-78"/>
+                <a:cs typeface="XB Niloofar" pitchFamily="2" charset="-78"/>
+              </a:rPr>
+              <a:t>تشخیص</a:t>
+            </a:r>
+            <a:r>
+              <a:rPr lang="fa-IR" dirty="0">
+                <a:latin typeface="XB Niloofar" pitchFamily="2" charset="-78"/>
+                <a:cs typeface="XB Niloofar" pitchFamily="2" charset="-78"/>
+              </a:rPr>
+              <a:t> </a:t>
+            </a:r>
+            <a:r>
+              <a:rPr lang="fa-IR" dirty="0" smtClean="0">
+                <a:latin typeface="XB Niloofar" pitchFamily="2" charset="-78"/>
+                <a:cs typeface="XB Niloofar" pitchFamily="2" charset="-78"/>
+              </a:rPr>
+              <a:t>حالت</a:t>
+            </a:r>
+            <a:r>
+              <a:rPr lang="fa-IR" dirty="0" smtClean="0">
+                <a:latin typeface="XB Niloofar" pitchFamily="2" charset="-78"/>
+                <a:cs typeface="XB Niloofar" pitchFamily="2" charset="-78"/>
+              </a:rPr>
+              <a:t> </a:t>
+            </a:r>
+            <a:r>
+              <a:rPr lang="fa-IR" dirty="0" smtClean="0">
+                <a:latin typeface="XB Niloofar" pitchFamily="2" charset="-78"/>
+                <a:cs typeface="XB Niloofar" pitchFamily="2" charset="-78"/>
+              </a:rPr>
+              <a:t>چهره</a:t>
             </a:r>
           </a:p>
           <a:p>
